--- a/yugandhar-openmdm-doc/Architecture.pptx
+++ b/yugandhar-openmdm-doc/Architecture.pptx
@@ -292,7 +292,7 @@
             <a:fld id="{1D8BD707-D9CF-40AE-B4C6-C98DA3205C09}" type="datetimeFigureOut">
               <a:rPr lang="en-US" smtClean="0"/>
               <a:pPr/>
-              <a:t>12/28/2017</a:t>
+              <a:t>7/27/2018</a:t>
             </a:fld>
             <a:endParaRPr lang="en-US"/>
           </a:p>
@@ -459,7 +459,7 @@
             <a:fld id="{1D8BD707-D9CF-40AE-B4C6-C98DA3205C09}" type="datetimeFigureOut">
               <a:rPr lang="en-US" smtClean="0"/>
               <a:pPr/>
-              <a:t>12/28/2017</a:t>
+              <a:t>7/27/2018</a:t>
             </a:fld>
             <a:endParaRPr lang="en-US"/>
           </a:p>
@@ -636,7 +636,7 @@
             <a:fld id="{1D8BD707-D9CF-40AE-B4C6-C98DA3205C09}" type="datetimeFigureOut">
               <a:rPr lang="en-US" smtClean="0"/>
               <a:pPr/>
-              <a:t>12/28/2017</a:t>
+              <a:t>7/27/2018</a:t>
             </a:fld>
             <a:endParaRPr lang="en-US"/>
           </a:p>
@@ -803,7 +803,7 @@
             <a:fld id="{1D8BD707-D9CF-40AE-B4C6-C98DA3205C09}" type="datetimeFigureOut">
               <a:rPr lang="en-US" smtClean="0"/>
               <a:pPr/>
-              <a:t>12/28/2017</a:t>
+              <a:t>7/27/2018</a:t>
             </a:fld>
             <a:endParaRPr lang="en-US"/>
           </a:p>
@@ -1046,7 +1046,7 @@
             <a:fld id="{1D8BD707-D9CF-40AE-B4C6-C98DA3205C09}" type="datetimeFigureOut">
               <a:rPr lang="en-US" smtClean="0"/>
               <a:pPr/>
-              <a:t>12/28/2017</a:t>
+              <a:t>7/27/2018</a:t>
             </a:fld>
             <a:endParaRPr lang="en-US"/>
           </a:p>
@@ -1331,7 +1331,7 @@
             <a:fld id="{1D8BD707-D9CF-40AE-B4C6-C98DA3205C09}" type="datetimeFigureOut">
               <a:rPr lang="en-US" smtClean="0"/>
               <a:pPr/>
-              <a:t>12/28/2017</a:t>
+              <a:t>7/27/2018</a:t>
             </a:fld>
             <a:endParaRPr lang="en-US"/>
           </a:p>
@@ -1750,7 +1750,7 @@
             <a:fld id="{1D8BD707-D9CF-40AE-B4C6-C98DA3205C09}" type="datetimeFigureOut">
               <a:rPr lang="en-US" smtClean="0"/>
               <a:pPr/>
-              <a:t>12/28/2017</a:t>
+              <a:t>7/27/2018</a:t>
             </a:fld>
             <a:endParaRPr lang="en-US"/>
           </a:p>
@@ -1865,7 +1865,7 @@
             <a:fld id="{1D8BD707-D9CF-40AE-B4C6-C98DA3205C09}" type="datetimeFigureOut">
               <a:rPr lang="en-US" smtClean="0"/>
               <a:pPr/>
-              <a:t>12/28/2017</a:t>
+              <a:t>7/27/2018</a:t>
             </a:fld>
             <a:endParaRPr lang="en-US"/>
           </a:p>
@@ -1957,7 +1957,7 @@
             <a:fld id="{1D8BD707-D9CF-40AE-B4C6-C98DA3205C09}" type="datetimeFigureOut">
               <a:rPr lang="en-US" smtClean="0"/>
               <a:pPr/>
-              <a:t>12/28/2017</a:t>
+              <a:t>7/27/2018</a:t>
             </a:fld>
             <a:endParaRPr lang="en-US"/>
           </a:p>
@@ -2231,7 +2231,7 @@
             <a:fld id="{1D8BD707-D9CF-40AE-B4C6-C98DA3205C09}" type="datetimeFigureOut">
               <a:rPr lang="en-US" smtClean="0"/>
               <a:pPr/>
-              <a:t>12/28/2017</a:t>
+              <a:t>7/27/2018</a:t>
             </a:fld>
             <a:endParaRPr lang="en-US"/>
           </a:p>
@@ -2481,7 +2481,7 @@
             <a:fld id="{1D8BD707-D9CF-40AE-B4C6-C98DA3205C09}" type="datetimeFigureOut">
               <a:rPr lang="en-US" smtClean="0"/>
               <a:pPr/>
-              <a:t>12/28/2017</a:t>
+              <a:t>7/27/2018</a:t>
             </a:fld>
             <a:endParaRPr lang="en-US"/>
           </a:p>
@@ -2691,7 +2691,7 @@
             <a:fld id="{1D8BD707-D9CF-40AE-B4C6-C98DA3205C09}" type="datetimeFigureOut">
               <a:rPr lang="en-US" smtClean="0"/>
               <a:pPr/>
-              <a:t>12/28/2017</a:t>
+              <a:t>7/27/2018</a:t>
             </a:fld>
             <a:endParaRPr lang="en-US"/>
           </a:p>
@@ -4744,7 +4744,7 @@
     </p:spTree>
     <p:extLst>
       <p:ext uri="{BB962C8B-B14F-4D97-AF65-F5344CB8AC3E}">
-        <p14:creationId xmlns:p14="http://schemas.microsoft.com/office/powerpoint/2010/main" val="3074446413"/>
+        <p14:creationId xmlns:p14="http://schemas.microsoft.com/office/powerpoint/2010/main" xmlns="" val="3074446413"/>
       </p:ext>
     </p:extLst>
   </p:cSld>
@@ -5201,7 +5201,7 @@
     </p:spTree>
     <p:extLst>
       <p:ext uri="{BB962C8B-B14F-4D97-AF65-F5344CB8AC3E}">
-        <p14:creationId xmlns:p14="http://schemas.microsoft.com/office/powerpoint/2010/main" val="3674057749"/>
+        <p14:creationId xmlns:p14="http://schemas.microsoft.com/office/powerpoint/2010/main" xmlns="" val="3674057749"/>
       </p:ext>
     </p:extLst>
   </p:cSld>
@@ -5243,7 +5243,7 @@
         </p:nvSpPr>
         <p:spPr>
           <a:xfrm>
-            <a:off x="3048000" y="3200400"/>
+            <a:off x="2743200" y="2895600"/>
             <a:ext cx="2438400" cy="381000"/>
           </a:xfrm>
           <a:prstGeom prst="rect">
@@ -5284,7 +5284,7 @@
         </p:nvSpPr>
         <p:spPr>
           <a:xfrm>
-            <a:off x="4800600" y="1371600"/>
+            <a:off x="4495800" y="1066800"/>
             <a:ext cx="1219200" cy="533400"/>
           </a:xfrm>
           <a:prstGeom prst="rect">
@@ -5326,7 +5326,7 @@
         </p:nvSpPr>
         <p:spPr>
           <a:xfrm>
-            <a:off x="6019800" y="2209800"/>
+            <a:off x="5943600" y="2895600"/>
             <a:ext cx="1219200" cy="533400"/>
           </a:xfrm>
           <a:prstGeom prst="rect">
@@ -5368,7 +5368,7 @@
         </p:nvSpPr>
         <p:spPr>
           <a:xfrm>
-            <a:off x="4419600" y="4572000"/>
+            <a:off x="4114800" y="4267200"/>
             <a:ext cx="1219200" cy="533400"/>
           </a:xfrm>
           <a:prstGeom prst="rect">
@@ -5410,7 +5410,7 @@
         </p:nvSpPr>
         <p:spPr>
           <a:xfrm>
-            <a:off x="2895600" y="4572000"/>
+            <a:off x="2590800" y="4267200"/>
             <a:ext cx="1219200" cy="533400"/>
           </a:xfrm>
           <a:prstGeom prst="rect">
@@ -5452,7 +5452,7 @@
         </p:nvSpPr>
         <p:spPr>
           <a:xfrm>
-            <a:off x="4267200" y="3581400"/>
+            <a:off x="3962400" y="3276600"/>
             <a:ext cx="1219200" cy="304800"/>
           </a:xfrm>
           <a:prstGeom prst="rect">
@@ -5494,7 +5494,7 @@
         </p:nvSpPr>
         <p:spPr>
           <a:xfrm>
-            <a:off x="3323303" y="1295400"/>
+            <a:off x="3018503" y="990600"/>
             <a:ext cx="1219200" cy="533400"/>
           </a:xfrm>
           <a:prstGeom prst="rect">
@@ -5536,7 +5536,7 @@
         </p:nvSpPr>
         <p:spPr>
           <a:xfrm>
-            <a:off x="1295400" y="2562532"/>
+            <a:off x="990600" y="2257732"/>
             <a:ext cx="1219200" cy="533400"/>
           </a:xfrm>
           <a:prstGeom prst="rect">
@@ -5578,7 +5578,7 @@
         </p:nvSpPr>
         <p:spPr>
           <a:xfrm>
-            <a:off x="1676400" y="1524000"/>
+            <a:off x="1371600" y="1219200"/>
             <a:ext cx="1219200" cy="533400"/>
           </a:xfrm>
           <a:prstGeom prst="rect">
@@ -5620,7 +5620,7 @@
         </p:nvSpPr>
         <p:spPr>
           <a:xfrm>
-            <a:off x="3052762" y="3581400"/>
+            <a:off x="2747962" y="3276600"/>
             <a:ext cx="1219200" cy="304800"/>
           </a:xfrm>
           <a:prstGeom prst="rect">
@@ -5662,7 +5662,7 @@
         </p:nvSpPr>
         <p:spPr>
           <a:xfrm>
-            <a:off x="1295400" y="3581400"/>
+            <a:off x="990600" y="3276600"/>
             <a:ext cx="1219200" cy="533400"/>
           </a:xfrm>
           <a:prstGeom prst="rect">
@@ -5704,7 +5704,7 @@
         </p:nvSpPr>
         <p:spPr>
           <a:xfrm>
-            <a:off x="6172200" y="3810000"/>
+            <a:off x="5867400" y="3505200"/>
             <a:ext cx="1219200" cy="533400"/>
           </a:xfrm>
           <a:prstGeom prst="rect">
@@ -5746,7 +5746,7 @@
         </p:nvSpPr>
         <p:spPr>
           <a:xfrm>
-            <a:off x="6248400" y="2971800"/>
+            <a:off x="6019800" y="1905000"/>
             <a:ext cx="1219200" cy="533400"/>
           </a:xfrm>
           <a:prstGeom prst="rect">
@@ -5791,7 +5791,7 @@
         </p:nvCxnSpPr>
         <p:spPr>
           <a:xfrm rot="16200000" flipV="1">
-            <a:off x="3414252" y="2347451"/>
+            <a:off x="3109452" y="2042651"/>
             <a:ext cx="1371600" cy="334297"/>
           </a:xfrm>
           <a:prstGeom prst="bentConnector3">
@@ -5823,7 +5823,7 @@
         </p:nvCxnSpPr>
         <p:spPr>
           <a:xfrm rot="5400000" flipH="1" flipV="1">
-            <a:off x="4419600" y="2209800"/>
+            <a:off x="4114800" y="1905000"/>
             <a:ext cx="1295400" cy="685800"/>
           </a:xfrm>
           <a:prstGeom prst="bentConnector3">
@@ -5849,17 +5849,20 @@
         <p:nvCxnSpPr>
           <p:cNvPr id="28" name="Elbow Connector 27"/>
           <p:cNvCxnSpPr>
+            <a:stCxn id="9" idx="3"/>
             <a:endCxn id="6" idx="1"/>
           </p:cNvCxnSpPr>
           <p:nvPr/>
         </p:nvCxnSpPr>
         <p:spPr>
           <a:xfrm flipV="1">
-            <a:off x="5219700" y="2476500"/>
-            <a:ext cx="800100" cy="723900"/>
+            <a:off x="5181600" y="3162300"/>
+            <a:ext cx="762000" cy="266700"/>
           </a:xfrm>
           <a:prstGeom prst="bentConnector3">
-            <a:avLst/>
+            <a:avLst>
+              <a:gd name="adj1" fmla="val 50000"/>
+            </a:avLst>
           </a:prstGeom>
         </p:spPr>
         <p:style>
@@ -5881,17 +5884,20 @@
         <p:nvCxnSpPr>
           <p:cNvPr id="30" name="Elbow Connector 29"/>
           <p:cNvCxnSpPr>
+            <a:stCxn id="4" idx="3"/>
             <a:endCxn id="17" idx="1"/>
           </p:cNvCxnSpPr>
           <p:nvPr/>
         </p:nvCxnSpPr>
         <p:spPr>
           <a:xfrm flipV="1">
-            <a:off x="5486400" y="3238500"/>
-            <a:ext cx="762000" cy="228600"/>
+            <a:off x="5181600" y="2171700"/>
+            <a:ext cx="838200" cy="914400"/>
           </a:xfrm>
           <a:prstGeom prst="bentConnector3">
-            <a:avLst/>
+            <a:avLst>
+              <a:gd name="adj1" fmla="val 34895"/>
+            </a:avLst>
           </a:prstGeom>
         </p:spPr>
         <p:style>
@@ -5917,7 +5923,7 @@
         </p:nvCxnSpPr>
         <p:spPr>
           <a:xfrm rot="16200000" flipV="1">
-            <a:off x="2705100" y="2095500"/>
+            <a:off x="2400300" y="1790700"/>
             <a:ext cx="1295400" cy="914400"/>
           </a:xfrm>
           <a:prstGeom prst="bentConnector3">
@@ -5949,7 +5955,7 @@
         </p:nvCxnSpPr>
         <p:spPr>
           <a:xfrm rot="10800000">
-            <a:off x="2514600" y="2829232"/>
+            <a:off x="2209800" y="2524432"/>
             <a:ext cx="990600" cy="371168"/>
           </a:xfrm>
           <a:prstGeom prst="bentConnector3">
@@ -5984,7 +5990,7 @@
         </p:nvCxnSpPr>
         <p:spPr>
           <a:xfrm rot="10800000" flipV="1">
-            <a:off x="2514600" y="3390900"/>
+            <a:off x="2209800" y="3086100"/>
             <a:ext cx="533400" cy="457200"/>
           </a:xfrm>
           <a:prstGeom prst="bentConnector3">
@@ -6017,7 +6023,7 @@
         </p:nvCxnSpPr>
         <p:spPr>
           <a:xfrm rot="5400000">
-            <a:off x="3240881" y="4150519"/>
+            <a:off x="2936081" y="3845719"/>
             <a:ext cx="685800" cy="157162"/>
           </a:xfrm>
           <a:prstGeom prst="bentConnector3">
@@ -6050,7 +6056,7 @@
         </p:nvCxnSpPr>
         <p:spPr>
           <a:xfrm rot="16200000" flipH="1">
-            <a:off x="4610100" y="4152900"/>
+            <a:off x="4305300" y="3848100"/>
             <a:ext cx="685800" cy="152400"/>
           </a:xfrm>
           <a:prstGeom prst="bentConnector3">
@@ -6080,8 +6086,8 @@
         </p:nvSpPr>
         <p:spPr>
           <a:xfrm>
-            <a:off x="3129025" y="5410200"/>
-            <a:ext cx="1976375" cy="369332"/>
+            <a:off x="2824225" y="5105400"/>
+            <a:ext cx="3634649" cy="369332"/>
           </a:xfrm>
           <a:prstGeom prst="rect">
             <a:avLst/>
@@ -6096,7 +6102,11 @@
           <a:p>
             <a:r>
               <a:rPr lang="en-US" dirty="0" smtClean="0"/>
-              <a:t>Logical Data Model</a:t>
+              <a:t>Logical Data </a:t>
+            </a:r>
+            <a:r>
+              <a:rPr lang="en-US" dirty="0" smtClean="0"/>
+              <a:t>Model – LE and Account</a:t>
             </a:r>
             <a:endParaRPr lang="en-US" dirty="0"/>
           </a:p>
@@ -6110,7 +6120,7 @@
         </p:nvSpPr>
         <p:spPr>
           <a:xfrm>
-            <a:off x="6477000" y="609600"/>
+            <a:off x="6172200" y="304800"/>
             <a:ext cx="1371600" cy="533400"/>
           </a:xfrm>
           <a:prstGeom prst="rect">
@@ -6152,7 +6162,7 @@
         </p:nvSpPr>
         <p:spPr>
           <a:xfrm>
-            <a:off x="6477000" y="1295400"/>
+            <a:off x="6172200" y="990600"/>
             <a:ext cx="1371600" cy="533400"/>
           </a:xfrm>
           <a:prstGeom prst="rect">
@@ -6201,7 +6211,7 @@
         </p:nvCxnSpPr>
         <p:spPr>
           <a:xfrm rot="5400000" flipH="1" flipV="1">
-            <a:off x="5695950" y="590550"/>
+            <a:off x="5391150" y="285750"/>
             <a:ext cx="495300" cy="1066800"/>
           </a:xfrm>
           <a:prstGeom prst="bentConnector2">
@@ -6234,11 +6244,77 @@
         </p:nvCxnSpPr>
         <p:spPr>
           <a:xfrm flipV="1">
-            <a:off x="6019800" y="1562100"/>
+            <a:off x="5715000" y="1257300"/>
             <a:ext cx="457200" cy="76200"/>
           </a:xfrm>
           <a:prstGeom prst="bentConnector3">
             <a:avLst/>
+          </a:prstGeom>
+        </p:spPr>
+        <p:style>
+          <a:lnRef idx="1">
+            <a:schemeClr val="accent1"/>
+          </a:lnRef>
+          <a:fillRef idx="0">
+            <a:schemeClr val="accent1"/>
+          </a:fillRef>
+          <a:effectRef idx="0">
+            <a:schemeClr val="accent1"/>
+          </a:effectRef>
+          <a:fontRef idx="minor">
+            <a:schemeClr val="tx1"/>
+          </a:fontRef>
+        </p:style>
+      </p:cxnSp>
+      <p:cxnSp>
+        <p:nvCxnSpPr>
+          <p:cNvPr id="29" name="Elbow Connector 28"/>
+          <p:cNvCxnSpPr>
+            <a:endCxn id="16" idx="1"/>
+          </p:cNvCxnSpPr>
+          <p:nvPr/>
+        </p:nvCxnSpPr>
+        <p:spPr>
+          <a:xfrm>
+            <a:off x="5181600" y="3581400"/>
+            <a:ext cx="685800" cy="190500"/>
+          </a:xfrm>
+          <a:prstGeom prst="bentConnector3">
+            <a:avLst>
+              <a:gd name="adj1" fmla="val 50000"/>
+            </a:avLst>
+          </a:prstGeom>
+        </p:spPr>
+        <p:style>
+          <a:lnRef idx="1">
+            <a:schemeClr val="accent1"/>
+          </a:lnRef>
+          <a:fillRef idx="0">
+            <a:schemeClr val="accent1"/>
+          </a:fillRef>
+          <a:effectRef idx="0">
+            <a:schemeClr val="accent1"/>
+          </a:effectRef>
+          <a:fontRef idx="minor">
+            <a:schemeClr val="tx1"/>
+          </a:fontRef>
+        </p:style>
+      </p:cxnSp>
+      <p:cxnSp>
+        <p:nvCxnSpPr>
+          <p:cNvPr id="38" name="Elbow Connector 37"/>
+          <p:cNvCxnSpPr/>
+          <p:nvPr/>
+        </p:nvCxnSpPr>
+        <p:spPr>
+          <a:xfrm>
+            <a:off x="5715000" y="1600200"/>
+            <a:ext cx="457200" cy="304800"/>
+          </a:xfrm>
+          <a:prstGeom prst="bentConnector3">
+            <a:avLst>
+              <a:gd name="adj1" fmla="val 50000"/>
+            </a:avLst>
           </a:prstGeom>
         </p:spPr>
         <p:style>
@@ -6259,7 +6335,7 @@
     </p:spTree>
     <p:extLst>
       <p:ext uri="{BB962C8B-B14F-4D97-AF65-F5344CB8AC3E}">
-        <p14:creationId xmlns:p14="http://schemas.microsoft.com/office/powerpoint/2010/main" val="2107259925"/>
+        <p14:creationId xmlns:p14="http://schemas.microsoft.com/office/powerpoint/2010/main" xmlns="" val="2107259925"/>
       </p:ext>
     </p:extLst>
   </p:cSld>
@@ -6296,7 +6372,7 @@
     </p:spTree>
     <p:extLst>
       <p:ext uri="{BB962C8B-B14F-4D97-AF65-F5344CB8AC3E}">
-        <p14:creationId xmlns:p14="http://schemas.microsoft.com/office/powerpoint/2010/main" val="1654107871"/>
+        <p14:creationId xmlns:p14="http://schemas.microsoft.com/office/powerpoint/2010/main" xmlns="" val="1654107871"/>
       </p:ext>
     </p:extLst>
   </p:cSld>
